--- a/notes2-paraverifier.pptx
+++ b/notes2-paraverifier.pptx
@@ -20,6 +20,10 @@
     <p:sldId id="268" r:id="rId15"/>
     <p:sldId id="269" r:id="rId16"/>
     <p:sldId id="270" r:id="rId17"/>
+    <p:sldId id="276" r:id="rId18"/>
+    <p:sldId id="277" r:id="rId19"/>
+    <p:sldId id="278" r:id="rId20"/>
+    <p:sldId id="279" r:id="rId21"/>
   </p:sldIdLst>
   <p:sldSz cx="12192000" cy="6858000"/>
   <p:notesSz cx="6858000" cy="9144000"/>
@@ -3571,7 +3575,328 @@
         <p:txBody>
           <a:bodyPr/>
           <a:p>
-            <a:endParaRPr lang="en-US"/>
+            <a:r>
+              <a:rPr lang="zh-CN" altLang="en-US"/>
+              <a:t>根据依赖证明定理</a:t>
+            </a:r>
+            <a:r>
+              <a:rPr lang="en-US"/>
+              <a:t>找到带参协议的归纳不变式</a:t>
+            </a:r>
+            <a:endParaRPr lang="en-US"/>
+          </a:p>
+          <a:p>
+            <a:pPr lvl="1"/>
+            <a:r>
+              <a:rPr lang="en-US"/>
+              <a:t>指既满足带参协议初始规则 I，又可以经过协议规则 R 变换后得到保持为真的</a:t>
+            </a:r>
+            <a:r>
+              <a:rPr lang="zh-CN" altLang="en-US"/>
+              <a:t>谓词公式</a:t>
+            </a:r>
+            <a:endParaRPr lang="zh-CN" altLang="en-US"/>
+          </a:p>
+          <a:p>
+            <a:pPr lvl="0"/>
+            <a:r>
+              <a:rPr lang="en-US"/>
+              <a:t>生成归纳证明脚本和归纳证明</a:t>
+            </a:r>
+            <a:endParaRPr lang="en-US"/>
+          </a:p>
+          <a:p>
+            <a:pPr lvl="1"/>
+            <a:r>
+              <a:rPr lang="en-US"/>
+              <a:t>如果带参协议的归纳不变式可以推出设计需求，则可判断带参协议满足设计需求。</a:t>
+            </a:r>
+            <a:endParaRPr lang="en-US"/>
+          </a:p>
+          <a:p>
+            <a:endParaRPr lang="en-US"/>
+          </a:p>
+        </p:txBody>
+      </p:sp>
+    </p:spTree>
+  </p:cSld>
+  <p:clrMapOvr>
+    <a:masterClrMapping/>
+  </p:clrMapOvr>
+</p:sld>
+</file>
+
+<file path=ppt/slides/slide16.xml><?xml version="1.0" encoding="utf-8"?>
+<p:sld xmlns:a="http://schemas.openxmlformats.org/drawingml/2006/main" xmlns:r="http://schemas.openxmlformats.org/officeDocument/2006/relationships" xmlns:p="http://schemas.openxmlformats.org/presentationml/2006/main">
+  <p:cSld>
+    <p:spTree>
+      <p:nvGrpSpPr>
+        <p:cNvPr id="1" name=""/>
+        <p:cNvGrpSpPr/>
+        <p:nvPr/>
+      </p:nvGrpSpPr>
+      <p:grpSpPr/>
+      <p:sp>
+        <p:nvSpPr>
+          <p:cNvPr id="2" name="Title 1"/>
+          <p:cNvSpPr>
+            <a:spLocks noGrp="1"/>
+          </p:cNvSpPr>
+          <p:nvPr>
+            <p:ph type="title"/>
+          </p:nvPr>
+        </p:nvSpPr>
+        <p:spPr/>
+        <p:txBody>
+          <a:bodyPr/>
+          <a:p>
+            <a:r>
+              <a:rPr lang="en-US"/>
+              <a:t>Murphi</a:t>
+            </a:r>
+            <a:r>
+              <a:rPr lang="zh-CN" altLang="en-US"/>
+              <a:t>的对称约简</a:t>
+            </a:r>
+            <a:endParaRPr lang="zh-CN" altLang="en-US"/>
+          </a:p>
+        </p:txBody>
+      </p:sp>
+      <p:pic>
+        <p:nvPicPr>
+          <p:cNvPr id="4" name="Content Placeholder 3"/>
+          <p:cNvPicPr>
+            <a:picLocks noChangeAspect="1"/>
+          </p:cNvPicPr>
+          <p:nvPr>
+            <p:ph idx="1"/>
+          </p:nvPr>
+        </p:nvPicPr>
+        <p:blipFill>
+          <a:blip r:embed="rId1"/>
+          <a:stretch>
+            <a:fillRect/>
+          </a:stretch>
+        </p:blipFill>
+        <p:spPr>
+          <a:xfrm>
+            <a:off x="1550670" y="2221865"/>
+            <a:ext cx="9932670" cy="3546475"/>
+          </a:xfrm>
+          <a:prstGeom prst="rect">
+            <a:avLst/>
+          </a:prstGeom>
+        </p:spPr>
+      </p:pic>
+    </p:spTree>
+  </p:cSld>
+  <p:clrMapOvr>
+    <a:masterClrMapping/>
+  </p:clrMapOvr>
+</p:sld>
+</file>
+
+<file path=ppt/slides/slide17.xml><?xml version="1.0" encoding="utf-8"?>
+<p:sld xmlns:a="http://schemas.openxmlformats.org/drawingml/2006/main" xmlns:r="http://schemas.openxmlformats.org/officeDocument/2006/relationships" xmlns:p="http://schemas.openxmlformats.org/presentationml/2006/main">
+  <p:cSld>
+    <p:spTree>
+      <p:nvGrpSpPr>
+        <p:cNvPr id="1" name=""/>
+        <p:cNvGrpSpPr/>
+        <p:nvPr/>
+      </p:nvGrpSpPr>
+      <p:grpSpPr/>
+      <p:sp>
+        <p:nvSpPr>
+          <p:cNvPr id="2" name="Title 1"/>
+          <p:cNvSpPr>
+            <a:spLocks noGrp="1"/>
+          </p:cNvSpPr>
+          <p:nvPr>
+            <p:ph type="title"/>
+          </p:nvPr>
+        </p:nvSpPr>
+        <p:spPr/>
+        <p:txBody>
+          <a:bodyPr/>
+          <a:p>
+            <a:r>
+              <a:rPr lang="en-US"/>
+              <a:t>决策树方法</a:t>
+            </a:r>
+            <a:endParaRPr lang="en-US"/>
+          </a:p>
+        </p:txBody>
+      </p:sp>
+      <p:sp>
+        <p:nvSpPr>
+          <p:cNvPr id="3" name="Content Placeholder 2"/>
+          <p:cNvSpPr>
+            <a:spLocks noGrp="1"/>
+          </p:cNvSpPr>
+          <p:nvPr>
+            <p:ph idx="1"/>
+          </p:nvPr>
+        </p:nvSpPr>
+        <p:spPr/>
+        <p:txBody>
+          <a:bodyPr/>
+          <a:p>
+            <a:r>
+              <a:rPr lang="en-US"/>
+              <a:t>判断候选不变式是否为带参协议实例的不变式</a:t>
+            </a:r>
+            <a:endParaRPr lang="en-US"/>
+          </a:p>
+          <a:p>
+            <a:r>
+              <a:rPr lang="en-US"/>
+              <a:t>通过判断 ParaVerifier 方法中的候选辅助不变式来辅助寻找带参协议的归纳不变式</a:t>
+            </a:r>
+            <a:r>
+              <a:rPr lang="zh-CN" altLang="en-US"/>
+              <a:t>。</a:t>
+            </a:r>
+            <a:r>
+              <a:rPr lang="en-US"/>
+              <a:t>在 ParaVerifier 方法中，候选辅助不变式是为了寻找辅助不变式而生成的候选不变式，候选辅助不变式的判断工作由模型检测程序NuSMV或Murphi完成</a:t>
+            </a:r>
+            <a:r>
+              <a:rPr lang="zh-CN" altLang="en-US"/>
+              <a:t>。</a:t>
+            </a:r>
+            <a:endParaRPr lang="zh-CN" altLang="en-US"/>
+          </a:p>
+        </p:txBody>
+      </p:sp>
+    </p:spTree>
+  </p:cSld>
+  <p:clrMapOvr>
+    <a:masterClrMapping/>
+  </p:clrMapOvr>
+</p:sld>
+</file>
+
+<file path=ppt/slides/slide18.xml><?xml version="1.0" encoding="utf-8"?>
+<p:sld xmlns:a="http://schemas.openxmlformats.org/drawingml/2006/main" xmlns:r="http://schemas.openxmlformats.org/officeDocument/2006/relationships" xmlns:p="http://schemas.openxmlformats.org/presentationml/2006/main">
+  <p:cSld>
+    <p:spTree>
+      <p:nvGrpSpPr>
+        <p:cNvPr id="1" name=""/>
+        <p:cNvGrpSpPr/>
+        <p:nvPr/>
+      </p:nvGrpSpPr>
+      <p:grpSpPr/>
+      <p:sp>
+        <p:nvSpPr>
+          <p:cNvPr id="2" name="Title 1"/>
+          <p:cNvSpPr>
+            <a:spLocks noGrp="1"/>
+          </p:cNvSpPr>
+          <p:nvPr>
+            <p:ph type="title"/>
+          </p:nvPr>
+        </p:nvSpPr>
+        <p:spPr/>
+        <p:txBody>
+          <a:bodyPr/>
+          <a:p>
+            <a:r>
+              <a:rPr lang="zh-CN" altLang="en-US"/>
+              <a:t>决策树方法</a:t>
+            </a:r>
+            <a:endParaRPr lang="zh-CN" altLang="en-US"/>
+          </a:p>
+        </p:txBody>
+      </p:sp>
+      <p:pic>
+        <p:nvPicPr>
+          <p:cNvPr id="4" name="Content Placeholder 3"/>
+          <p:cNvPicPr>
+            <a:picLocks noChangeAspect="1"/>
+          </p:cNvPicPr>
+          <p:nvPr>
+            <p:ph idx="1"/>
+          </p:nvPr>
+        </p:nvPicPr>
+        <p:blipFill>
+          <a:blip r:embed="rId1"/>
+          <a:stretch>
+            <a:fillRect/>
+          </a:stretch>
+        </p:blipFill>
+        <p:spPr>
+          <a:xfrm>
+            <a:off x="756920" y="1529080"/>
+            <a:ext cx="9515475" cy="4351655"/>
+          </a:xfrm>
+          <a:prstGeom prst="rect">
+            <a:avLst/>
+          </a:prstGeom>
+        </p:spPr>
+      </p:pic>
+    </p:spTree>
+  </p:cSld>
+  <p:clrMapOvr>
+    <a:masterClrMapping/>
+  </p:clrMapOvr>
+</p:sld>
+</file>
+
+<file path=ppt/slides/slide19.xml><?xml version="1.0" encoding="utf-8"?>
+<p:sld xmlns:a="http://schemas.openxmlformats.org/drawingml/2006/main" xmlns:r="http://schemas.openxmlformats.org/officeDocument/2006/relationships" xmlns:p="http://schemas.openxmlformats.org/presentationml/2006/main">
+  <p:cSld>
+    <p:spTree>
+      <p:nvGrpSpPr>
+        <p:cNvPr id="1" name=""/>
+        <p:cNvGrpSpPr/>
+        <p:nvPr/>
+      </p:nvGrpSpPr>
+      <p:grpSpPr/>
+      <p:sp>
+        <p:nvSpPr>
+          <p:cNvPr id="2" name="Title 1"/>
+          <p:cNvSpPr>
+            <a:spLocks noGrp="1"/>
+          </p:cNvSpPr>
+          <p:nvPr>
+            <p:ph type="title"/>
+          </p:nvPr>
+        </p:nvSpPr>
+        <p:spPr/>
+        <p:txBody>
+          <a:bodyPr/>
+          <a:p>
+            <a:endParaRPr lang="en-US"/>
+          </a:p>
+        </p:txBody>
+      </p:sp>
+      <p:sp>
+        <p:nvSpPr>
+          <p:cNvPr id="3" name="Content Placeholder 2"/>
+          <p:cNvSpPr>
+            <a:spLocks noGrp="1"/>
+          </p:cNvSpPr>
+          <p:nvPr>
+            <p:ph idx="1"/>
+          </p:nvPr>
+        </p:nvSpPr>
+        <p:spPr/>
+        <p:txBody>
+          <a:bodyPr/>
+          <a:p>
+            <a:r>
+              <a:rPr lang="zh-CN" altLang="en-US"/>
+              <a:t>训练特征：对称削减可达状态集合</a:t>
+            </a:r>
+            <a:endParaRPr lang="zh-CN" altLang="en-US"/>
+          </a:p>
+          <a:p>
+            <a:r>
+              <a:rPr lang="zh-CN" altLang="en-US"/>
+              <a:t>训练标签：可能取值种类最多的特征</a:t>
+            </a:r>
+            <a:endParaRPr lang="zh-CN" altLang="en-US"/>
           </a:p>
         </p:txBody>
       </p:sp>
